--- a/2016/Feb/WebShell-by-FuKui.pptx
+++ b/2016/Feb/WebShell-by-FuKui.pptx
@@ -134,7 +134,18 @@
   </p:defaultTextStyle>
   <p:extLst>
     <p:ext uri="{EFAFB233-063F-42B5-8137-9DF3F51BA10A}">
-      <p15:sldGuideLst xmlns:p15="http://schemas.microsoft.com/office/powerpoint/2012/main"/>
+      <p15:sldGuideLst xmlns:p15="http://schemas.microsoft.com/office/powerpoint/2012/main">
+        <p15:guide id="1" orient="horz" pos="2160">
+          <p15:clr>
+            <a:srgbClr val="A4A3A4"/>
+          </p15:clr>
+        </p15:guide>
+        <p15:guide id="2" pos="3840">
+          <p15:clr>
+            <a:srgbClr val="A4A3A4"/>
+          </p15:clr>
+        </p15:guide>
+      </p15:sldGuideLst>
     </p:ext>
     <p:ext uri="{2D200454-40CA-4A62-9FC3-DE9A4176ACB9}">
       <p15:notesGuideLst xmlns:p15="http://schemas.microsoft.com/office/powerpoint/2012/main"/>
@@ -225,7 +236,7 @@
           <a:p>
             <a:fld id="{AFBCAB93-009C-40AD-966B-58F661DBDE3B}" type="datetimeFigureOut">
               <a:rPr lang="zh-CN" altLang="en-US" smtClean="0"/>
-              <a:t>2016/2/28</a:t>
+              <a:t>2016/3/1</a:t>
             </a:fld>
             <a:endParaRPr lang="zh-CN" altLang="en-US"/>
           </a:p>
@@ -390,7 +401,7 @@
           <a:p>
             <a:fld id="{F36FEE7A-5C99-45B3-80E8-ABB4415F94C9}" type="datetimeFigureOut">
               <a:rPr lang="zh-CN" altLang="en-US" smtClean="0"/>
-              <a:t>2016/2/28</a:t>
+              <a:t>2016/3/1</a:t>
             </a:fld>
             <a:endParaRPr lang="zh-CN" altLang="en-US"/>
           </a:p>
@@ -1245,7 +1256,7 @@
           <a:p>
             <a:fld id="{5567060C-7DF5-4859-9293-B298305CD099}" type="datetimeFigureOut">
               <a:rPr lang="zh-CN" altLang="en-US" smtClean="0"/>
-              <a:t>2016/2/28</a:t>
+              <a:t>2016/3/1</a:t>
             </a:fld>
             <a:endParaRPr lang="zh-CN" altLang="en-US"/>
           </a:p>
@@ -1415,7 +1426,7 @@
           <a:p>
             <a:fld id="{5567060C-7DF5-4859-9293-B298305CD099}" type="datetimeFigureOut">
               <a:rPr lang="zh-CN" altLang="en-US" smtClean="0"/>
-              <a:t>2016/2/28</a:t>
+              <a:t>2016/3/1</a:t>
             </a:fld>
             <a:endParaRPr lang="zh-CN" altLang="en-US"/>
           </a:p>
@@ -1595,7 +1606,7 @@
           <a:p>
             <a:fld id="{5567060C-7DF5-4859-9293-B298305CD099}" type="datetimeFigureOut">
               <a:rPr lang="zh-CN" altLang="en-US" smtClean="0"/>
-              <a:t>2016/2/28</a:t>
+              <a:t>2016/3/1</a:t>
             </a:fld>
             <a:endParaRPr lang="zh-CN" altLang="en-US"/>
           </a:p>
@@ -1765,7 +1776,7 @@
           <a:p>
             <a:fld id="{5567060C-7DF5-4859-9293-B298305CD099}" type="datetimeFigureOut">
               <a:rPr lang="zh-CN" altLang="en-US" smtClean="0"/>
-              <a:t>2016/2/28</a:t>
+              <a:t>2016/3/1</a:t>
             </a:fld>
             <a:endParaRPr lang="zh-CN" altLang="en-US"/>
           </a:p>
@@ -2011,7 +2022,7 @@
           <a:p>
             <a:fld id="{5567060C-7DF5-4859-9293-B298305CD099}" type="datetimeFigureOut">
               <a:rPr lang="zh-CN" altLang="en-US" smtClean="0"/>
-              <a:t>2016/2/28</a:t>
+              <a:t>2016/3/1</a:t>
             </a:fld>
             <a:endParaRPr lang="zh-CN" altLang="en-US"/>
           </a:p>
@@ -2243,7 +2254,7 @@
           <a:p>
             <a:fld id="{5567060C-7DF5-4859-9293-B298305CD099}" type="datetimeFigureOut">
               <a:rPr lang="zh-CN" altLang="en-US" smtClean="0"/>
-              <a:t>2016/2/28</a:t>
+              <a:t>2016/3/1</a:t>
             </a:fld>
             <a:endParaRPr lang="zh-CN" altLang="en-US"/>
           </a:p>
@@ -2610,7 +2621,7 @@
           <a:p>
             <a:fld id="{5567060C-7DF5-4859-9293-B298305CD099}" type="datetimeFigureOut">
               <a:rPr lang="zh-CN" altLang="en-US" smtClean="0"/>
-              <a:t>2016/2/28</a:t>
+              <a:t>2016/3/1</a:t>
             </a:fld>
             <a:endParaRPr lang="zh-CN" altLang="en-US"/>
           </a:p>
@@ -2728,7 +2739,7 @@
           <a:p>
             <a:fld id="{5567060C-7DF5-4859-9293-B298305CD099}" type="datetimeFigureOut">
               <a:rPr lang="zh-CN" altLang="en-US" smtClean="0"/>
-              <a:t>2016/2/28</a:t>
+              <a:t>2016/3/1</a:t>
             </a:fld>
             <a:endParaRPr lang="zh-CN" altLang="en-US"/>
           </a:p>
@@ -2823,7 +2834,7 @@
           <a:p>
             <a:fld id="{5567060C-7DF5-4859-9293-B298305CD099}" type="datetimeFigureOut">
               <a:rPr lang="zh-CN" altLang="en-US" smtClean="0"/>
-              <a:t>2016/2/28</a:t>
+              <a:t>2016/3/1</a:t>
             </a:fld>
             <a:endParaRPr lang="zh-CN" altLang="en-US"/>
           </a:p>
@@ -3100,7 +3111,7 @@
           <a:p>
             <a:fld id="{5567060C-7DF5-4859-9293-B298305CD099}" type="datetimeFigureOut">
               <a:rPr lang="zh-CN" altLang="en-US" smtClean="0"/>
-              <a:t>2016/2/28</a:t>
+              <a:t>2016/3/1</a:t>
             </a:fld>
             <a:endParaRPr lang="zh-CN" altLang="en-US"/>
           </a:p>
@@ -3353,7 +3364,7 @@
           <a:p>
             <a:fld id="{5567060C-7DF5-4859-9293-B298305CD099}" type="datetimeFigureOut">
               <a:rPr lang="zh-CN" altLang="en-US" smtClean="0"/>
-              <a:t>2016/2/28</a:t>
+              <a:t>2016/3/1</a:t>
             </a:fld>
             <a:endParaRPr lang="zh-CN" altLang="en-US"/>
           </a:p>
@@ -3595,7 +3606,7 @@
             <a:fld id="{5567060C-7DF5-4859-9293-B298305CD099}" type="datetimeFigureOut">
               <a:rPr lang="zh-CN" altLang="en-US" smtClean="0"/>
               <a:pPr/>
-              <a:t>2016/2/28</a:t>
+              <a:t>2016/3/1</a:t>
             </a:fld>
             <a:endParaRPr lang="zh-CN" altLang="en-US"/>
           </a:p>
@@ -5243,14 +5254,7 @@
                 <a:latin typeface="方正姚体" panose="02010601030101010101" pitchFamily="2" charset="-122"/>
                 <a:ea typeface="方正姚体" panose="02010601030101010101" pitchFamily="2" charset="-122"/>
               </a:rPr>
-              <a:t>围绕特征码猫捉老鼠</a:t>
-            </a:r>
-            <a:r>
-              <a:rPr lang="zh-CN" altLang="en-US" b="1" dirty="0" smtClean="0">
-                <a:latin typeface="方正姚体" panose="02010601030101010101" pitchFamily="2" charset="-122"/>
-                <a:ea typeface="方正姚体" panose="02010601030101010101" pitchFamily="2" charset="-122"/>
-              </a:rPr>
-              <a:t>（</a:t>
+              <a:t>围绕特征码猫捉老鼠（</a:t>
             </a:r>
             <a:r>
               <a:rPr lang="en-US" altLang="zh-CN" b="1" dirty="0" smtClean="0">
@@ -5478,14 +5482,7 @@
                 <a:latin typeface="方正姚体" panose="02010601030101010101" pitchFamily="2" charset="-122"/>
                 <a:ea typeface="方正姚体" panose="02010601030101010101" pitchFamily="2" charset="-122"/>
               </a:rPr>
-              <a:t>围绕特征码猫捉老鼠</a:t>
-            </a:r>
-            <a:r>
-              <a:rPr lang="zh-CN" altLang="en-US" b="1" dirty="0" smtClean="0">
-                <a:latin typeface="方正姚体" panose="02010601030101010101" pitchFamily="2" charset="-122"/>
-                <a:ea typeface="方正姚体" panose="02010601030101010101" pitchFamily="2" charset="-122"/>
-              </a:rPr>
-              <a:t>（</a:t>
+              <a:t>围绕特征码猫捉老鼠（</a:t>
             </a:r>
             <a:r>
               <a:rPr lang="en-US" altLang="zh-CN" b="1" dirty="0" smtClean="0">
@@ -5605,14 +5602,7 @@
                 <a:latin typeface="方正姚体" panose="02010601030101010101" pitchFamily="2" charset="-122"/>
                 <a:ea typeface="方正姚体" panose="02010601030101010101" pitchFamily="2" charset="-122"/>
               </a:rPr>
-              <a:t>围绕特征码猫捉老鼠</a:t>
-            </a:r>
-            <a:r>
-              <a:rPr lang="zh-CN" altLang="en-US" b="1" dirty="0" smtClean="0">
-                <a:latin typeface="方正姚体" panose="02010601030101010101" pitchFamily="2" charset="-122"/>
-                <a:ea typeface="方正姚体" panose="02010601030101010101" pitchFamily="2" charset="-122"/>
-              </a:rPr>
-              <a:t>（</a:t>
+              <a:t>围绕特征码猫捉老鼠（</a:t>
             </a:r>
             <a:r>
               <a:rPr lang="en-US" altLang="zh-CN" b="1" dirty="0" smtClean="0">
@@ -5895,14 +5885,7 @@
                 <a:latin typeface="方正姚体" panose="02010601030101010101" pitchFamily="2" charset="-122"/>
                 <a:ea typeface="方正姚体" panose="02010601030101010101" pitchFamily="2" charset="-122"/>
               </a:rPr>
-              <a:t>围绕特征码猫捉老鼠</a:t>
-            </a:r>
-            <a:r>
-              <a:rPr lang="zh-CN" altLang="en-US" b="1" dirty="0" smtClean="0">
-                <a:latin typeface="方正姚体" panose="02010601030101010101" pitchFamily="2" charset="-122"/>
-                <a:ea typeface="方正姚体" panose="02010601030101010101" pitchFamily="2" charset="-122"/>
-              </a:rPr>
-              <a:t>（</a:t>
+              <a:t>围绕特征码猫捉老鼠（</a:t>
             </a:r>
             <a:r>
               <a:rPr lang="en-US" altLang="zh-CN" b="1" dirty="0" smtClean="0">
@@ -6949,7 +6932,10 @@
           <a:lstStyle/>
           <a:p>
             <a:r>
-              <a:rPr lang="zh-CN" altLang="en-US" dirty="0"/>
+              <a:rPr lang="zh-CN" altLang="en-US" b="1" dirty="0">
+                <a:latin typeface="方正姚体" panose="02010601030101010101" pitchFamily="2" charset="-122"/>
+                <a:ea typeface="方正姚体" panose="02010601030101010101" pitchFamily="2" charset="-122"/>
+              </a:rPr>
               <a:t>总结</a:t>
             </a:r>
           </a:p>
@@ -7008,7 +6994,7 @@
         <p:spPr>
           <a:xfrm>
             <a:off x="6400800" y="1825625"/>
-            <a:ext cx="4705350" cy="2460625"/>
+            <a:ext cx="5393094" cy="2460625"/>
           </a:xfrm>
           <a:prstGeom prst="rect">
             <a:avLst/>
@@ -7197,7 +7183,11 @@
           <a:p>
             <a:r>
               <a:rPr lang="en-US" altLang="zh-CN" dirty="0" smtClean="0"/>
-              <a:t>Split Request and Response</a:t>
+              <a:t>Separate </a:t>
+            </a:r>
+            <a:r>
+              <a:rPr lang="en-US" altLang="zh-CN" dirty="0" smtClean="0"/>
+              <a:t>Request and Response</a:t>
             </a:r>
             <a:endParaRPr lang="en-US" altLang="zh-CN" dirty="0"/>
           </a:p>
@@ -9080,7 +9070,7 @@
             </a:pPr>
             <a:r>
               <a:rPr lang="en-US" altLang="zh-CN" dirty="0" smtClean="0"/>
-              <a:t>Written One Line</a:t>
+              <a:t>One Line Code</a:t>
             </a:r>
             <a:endParaRPr lang="zh-CN" altLang="en-US" dirty="0"/>
           </a:p>
